--- a/포트폴리오/GitHub_Hosting/다운로드 압축 파일/데이터베이스 관리 프로그램/데이터베이스 관리 프로그램 - 양화영.pptx
+++ b/포트폴리오/GitHub_Hosting/다운로드 압축 파일/데이터베이스 관리 프로그램/데이터베이스 관리 프로그램 - 양화영.pptx
@@ -291,7 +291,7 @@
                 </a:solidFill>
               </a:rPr>
               <a:pPr/>
-              <a:t>2021-05-10</a:t>
+              <a:t>2021-05-12</a:t>
             </a:fld>
             <a:endParaRPr lang="ko-KR" altLang="en-US">
               <a:solidFill>
@@ -521,7 +521,7 @@
                 </a:solidFill>
               </a:rPr>
               <a:pPr/>
-              <a:t>2021-05-10</a:t>
+              <a:t>2021-05-12</a:t>
             </a:fld>
             <a:endParaRPr lang="ko-KR" altLang="en-US">
               <a:solidFill>
@@ -761,7 +761,7 @@
                 </a:solidFill>
               </a:rPr>
               <a:pPr/>
-              <a:t>2021-05-10</a:t>
+              <a:t>2021-05-12</a:t>
             </a:fld>
             <a:endParaRPr lang="ko-KR" altLang="en-US">
               <a:solidFill>
@@ -991,7 +991,7 @@
                 </a:solidFill>
               </a:rPr>
               <a:pPr/>
-              <a:t>2021-05-10</a:t>
+              <a:t>2021-05-12</a:t>
             </a:fld>
             <a:endParaRPr lang="ko-KR" altLang="en-US">
               <a:solidFill>
@@ -1298,7 +1298,7 @@
                 </a:solidFill>
               </a:rPr>
               <a:pPr/>
-              <a:t>2021-05-10</a:t>
+              <a:t>2021-05-12</a:t>
             </a:fld>
             <a:endParaRPr lang="ko-KR" altLang="en-US">
               <a:solidFill>
@@ -1595,7 +1595,7 @@
                 </a:solidFill>
               </a:rPr>
               <a:pPr/>
-              <a:t>2021-05-10</a:t>
+              <a:t>2021-05-12</a:t>
             </a:fld>
             <a:endParaRPr lang="ko-KR" altLang="en-US">
               <a:solidFill>
@@ -2039,7 +2039,7 @@
                 </a:solidFill>
               </a:rPr>
               <a:pPr/>
-              <a:t>2021-05-10</a:t>
+              <a:t>2021-05-12</a:t>
             </a:fld>
             <a:endParaRPr lang="ko-KR" altLang="en-US">
               <a:solidFill>
@@ -2212,7 +2212,7 @@
                 </a:solidFill>
               </a:rPr>
               <a:pPr/>
-              <a:t>2021-05-10</a:t>
+              <a:t>2021-05-12</a:t>
             </a:fld>
             <a:endParaRPr lang="ko-KR" altLang="en-US">
               <a:solidFill>
@@ -2357,7 +2357,7 @@
                 </a:solidFill>
               </a:rPr>
               <a:pPr/>
-              <a:t>2021-05-10</a:t>
+              <a:t>2021-05-12</a:t>
             </a:fld>
             <a:endParaRPr lang="ko-KR" altLang="en-US">
               <a:solidFill>
@@ -2700,7 +2700,7 @@
                 </a:solidFill>
               </a:rPr>
               <a:pPr/>
-              <a:t>2021-05-10</a:t>
+              <a:t>2021-05-12</a:t>
             </a:fld>
             <a:endParaRPr lang="ko-KR" altLang="en-US">
               <a:solidFill>
@@ -3020,7 +3020,7 @@
                 </a:solidFill>
               </a:rPr>
               <a:pPr/>
-              <a:t>2021-05-10</a:t>
+              <a:t>2021-05-12</a:t>
             </a:fld>
             <a:endParaRPr lang="ko-KR" altLang="en-US">
               <a:solidFill>
@@ -3293,7 +3293,7 @@
                 </a:solidFill>
               </a:rPr>
               <a:pPr/>
-              <a:t>2021-05-10</a:t>
+              <a:t>2021-05-12</a:t>
             </a:fld>
             <a:endParaRPr lang="ko-KR" altLang="en-US">
               <a:solidFill>
@@ -3752,7 +3752,7 @@
         <p:spPr>
           <a:xfrm>
             <a:off x="3048000" y="2656834"/>
-            <a:ext cx="6096000" cy="1350370"/>
+            <a:ext cx="6096000" cy="1569660"/>
           </a:xfrm>
           <a:prstGeom prst="rect">
             <a:avLst/>
@@ -3829,56 +3829,16 @@
               <a:defRPr/>
             </a:pPr>
             <a:r>
-              <a:rPr lang="en-US" altLang="ko-KR" sz="1050" kern="0" dirty="0" smtClean="0">
+              <a:rPr lang="ko-KR" altLang="en-US" sz="2000" kern="0" dirty="0">
                 <a:solidFill>
                   <a:srgbClr val="E7E6E6">
                     <a:lumMod val="50000"/>
                   </a:srgbClr>
                 </a:solidFill>
               </a:rPr>
-              <a:t>Java</a:t>
-            </a:r>
-            <a:r>
-              <a:rPr lang="ko-KR" altLang="en-US" sz="1050" kern="0" dirty="0">
-                <a:solidFill>
-                  <a:srgbClr val="E7E6E6">
-                    <a:lumMod val="50000"/>
-                  </a:srgbClr>
-                </a:solidFill>
-              </a:rPr>
-              <a:t> </a:t>
-            </a:r>
-            <a:r>
-              <a:rPr lang="en-US" altLang="ko-KR" sz="1050" kern="0" dirty="0" smtClean="0">
-                <a:solidFill>
-                  <a:srgbClr val="E7E6E6">
-                    <a:lumMod val="50000"/>
-                  </a:srgbClr>
-                </a:solidFill>
-              </a:rPr>
-              <a:t>– MySQL </a:t>
-            </a:r>
-            <a:r>
-              <a:rPr lang="ko-KR" altLang="en-US" sz="1050" kern="0" dirty="0" smtClean="0">
-                <a:solidFill>
-                  <a:srgbClr val="E7E6E6">
-                    <a:lumMod val="50000"/>
-                  </a:srgbClr>
-                </a:solidFill>
-              </a:rPr>
-              <a:t>연동 프로그램</a:t>
-            </a:r>
-            <a:r>
-              <a:rPr lang="en-US" altLang="ko-KR" sz="1050" i="1" kern="0" dirty="0" smtClean="0">
-                <a:solidFill>
-                  <a:srgbClr val="E7E6E6">
-                    <a:lumMod val="50000"/>
-                  </a:srgbClr>
-                </a:solidFill>
-              </a:rPr>
-              <a:t> </a:t>
-            </a:r>
-            <a:endParaRPr lang="en-US" altLang="ko-KR" sz="2000" i="1" kern="0" dirty="0">
+              <a:t>데이터베이스 관리 프로그램</a:t>
+            </a:r>
+            <a:endParaRPr lang="en-US" altLang="ko-KR" sz="4400" i="1" kern="0" dirty="0">
               <a:solidFill>
                 <a:srgbClr val="E7E6E6">
                   <a:lumMod val="50000"/>
@@ -4164,26 +4124,16 @@
               <a:defRPr/>
             </a:pPr>
             <a:r>
-              <a:rPr lang="en-US" altLang="ko-KR" sz="900" kern="0" dirty="0" smtClean="0">
+              <a:rPr lang="ko-KR" altLang="en-US" sz="1400" kern="0" dirty="0">
                 <a:solidFill>
                   <a:srgbClr val="E7E6E6">
                     <a:lumMod val="75000"/>
                   </a:srgbClr>
                 </a:solidFill>
               </a:rPr>
-              <a:t>JAVA – MySQL </a:t>
-            </a:r>
-            <a:r>
-              <a:rPr lang="ko-KR" altLang="en-US" sz="900" kern="0" dirty="0" smtClean="0">
-                <a:solidFill>
-                  <a:srgbClr val="E7E6E6">
-                    <a:lumMod val="75000"/>
-                  </a:srgbClr>
-                </a:solidFill>
-              </a:rPr>
-              <a:t>연동 프로그램</a:t>
-            </a:r>
-            <a:endParaRPr lang="en-US" altLang="ko-KR" sz="1600" i="1" kern="0" dirty="0">
+              <a:t>데이터베이스 관리 프로그램</a:t>
+            </a:r>
+            <a:endParaRPr lang="en-US" altLang="ko-KR" sz="3200" i="1" kern="0" dirty="0">
               <a:solidFill>
                 <a:srgbClr val="E7E6E6">
                   <a:lumMod val="75000"/>
@@ -4564,26 +4514,16 @@
               <a:defRPr/>
             </a:pPr>
             <a:r>
-              <a:rPr lang="en-US" altLang="ko-KR" sz="900" kern="0" dirty="0" smtClean="0">
+              <a:rPr lang="ko-KR" altLang="en-US" sz="1400" kern="0" dirty="0">
                 <a:solidFill>
                   <a:srgbClr val="E7E6E6">
                     <a:lumMod val="75000"/>
                   </a:srgbClr>
                 </a:solidFill>
               </a:rPr>
-              <a:t>JAVA – MySQL </a:t>
-            </a:r>
-            <a:r>
-              <a:rPr lang="ko-KR" altLang="en-US" sz="900" kern="0" dirty="0" smtClean="0">
-                <a:solidFill>
-                  <a:srgbClr val="E7E6E6">
-                    <a:lumMod val="75000"/>
-                  </a:srgbClr>
-                </a:solidFill>
-              </a:rPr>
-              <a:t>연동 프로그램</a:t>
-            </a:r>
-            <a:endParaRPr lang="en-US" altLang="ko-KR" sz="1600" i="1" kern="0" dirty="0">
+              <a:t>데이터베이스 관리 프로그램</a:t>
+            </a:r>
+            <a:endParaRPr lang="en-US" altLang="ko-KR" sz="3200" i="1" kern="0" dirty="0">
               <a:solidFill>
                 <a:srgbClr val="E7E6E6">
                   <a:lumMod val="75000"/>
@@ -4964,26 +4904,16 @@
               <a:defRPr/>
             </a:pPr>
             <a:r>
-              <a:rPr lang="en-US" altLang="ko-KR" sz="900" kern="0" dirty="0" smtClean="0">
+              <a:rPr lang="ko-KR" altLang="en-US" sz="1400" kern="0" dirty="0">
                 <a:solidFill>
                   <a:srgbClr val="E7E6E6">
                     <a:lumMod val="75000"/>
                   </a:srgbClr>
                 </a:solidFill>
               </a:rPr>
-              <a:t>JAVA – MySQL </a:t>
-            </a:r>
-            <a:r>
-              <a:rPr lang="ko-KR" altLang="en-US" sz="900" kern="0" dirty="0" smtClean="0">
-                <a:solidFill>
-                  <a:srgbClr val="E7E6E6">
-                    <a:lumMod val="75000"/>
-                  </a:srgbClr>
-                </a:solidFill>
-              </a:rPr>
-              <a:t>연동 프로그램</a:t>
-            </a:r>
-            <a:endParaRPr lang="en-US" altLang="ko-KR" sz="1600" i="1" kern="0" dirty="0">
+              <a:t>데이터베이스 관리 프로그램</a:t>
+            </a:r>
+            <a:endParaRPr lang="en-US" altLang="ko-KR" sz="3200" i="1" kern="0" dirty="0">
               <a:solidFill>
                 <a:srgbClr val="E7E6E6">
                   <a:lumMod val="75000"/>
@@ -5364,26 +5294,16 @@
               <a:defRPr/>
             </a:pPr>
             <a:r>
-              <a:rPr lang="en-US" altLang="ko-KR" sz="900" kern="0" dirty="0" smtClean="0">
+              <a:rPr lang="ko-KR" altLang="en-US" sz="1400" kern="0" dirty="0">
                 <a:solidFill>
                   <a:srgbClr val="E7E6E6">
                     <a:lumMod val="75000"/>
                   </a:srgbClr>
                 </a:solidFill>
               </a:rPr>
-              <a:t>JAVA – MySQL </a:t>
-            </a:r>
-            <a:r>
-              <a:rPr lang="ko-KR" altLang="en-US" sz="900" kern="0" dirty="0" smtClean="0">
-                <a:solidFill>
-                  <a:srgbClr val="E7E6E6">
-                    <a:lumMod val="75000"/>
-                  </a:srgbClr>
-                </a:solidFill>
-              </a:rPr>
-              <a:t>연동 프로그램</a:t>
-            </a:r>
-            <a:endParaRPr lang="en-US" altLang="ko-KR" sz="1600" i="1" kern="0" dirty="0">
+              <a:t>데이터베이스 관리 프로그램</a:t>
+            </a:r>
+            <a:endParaRPr lang="en-US" altLang="ko-KR" sz="3200" i="1" kern="0" dirty="0">
               <a:solidFill>
                 <a:srgbClr val="E7E6E6">
                   <a:lumMod val="75000"/>
@@ -5764,26 +5684,16 @@
               <a:defRPr/>
             </a:pPr>
             <a:r>
-              <a:rPr lang="en-US" altLang="ko-KR" sz="900" kern="0" dirty="0" smtClean="0">
+              <a:rPr lang="ko-KR" altLang="en-US" sz="1400" kern="0" dirty="0">
                 <a:solidFill>
                   <a:srgbClr val="E7E6E6">
                     <a:lumMod val="75000"/>
                   </a:srgbClr>
                 </a:solidFill>
               </a:rPr>
-              <a:t>JAVA – MySQL </a:t>
-            </a:r>
-            <a:r>
-              <a:rPr lang="ko-KR" altLang="en-US" sz="900" kern="0" dirty="0" smtClean="0">
-                <a:solidFill>
-                  <a:srgbClr val="E7E6E6">
-                    <a:lumMod val="75000"/>
-                  </a:srgbClr>
-                </a:solidFill>
-              </a:rPr>
-              <a:t>연동 프로그램</a:t>
-            </a:r>
-            <a:endParaRPr lang="en-US" altLang="ko-KR" sz="1600" i="1" kern="0" dirty="0">
+              <a:t>데이터베이스 관리 프로그램</a:t>
+            </a:r>
+            <a:endParaRPr lang="en-US" altLang="ko-KR" sz="3200" i="1" kern="0" dirty="0">
               <a:solidFill>
                 <a:srgbClr val="E7E6E6">
                   <a:lumMod val="75000"/>
@@ -6170,26 +6080,16 @@
               <a:defRPr/>
             </a:pPr>
             <a:r>
-              <a:rPr lang="en-US" altLang="ko-KR" sz="900" kern="0" dirty="0">
+              <a:rPr lang="ko-KR" altLang="en-US" sz="1400" kern="0" dirty="0">
                 <a:solidFill>
                   <a:srgbClr val="E7E6E6">
                     <a:lumMod val="75000"/>
                   </a:srgbClr>
                 </a:solidFill>
               </a:rPr>
-              <a:t>JAVA – MySQL </a:t>
-            </a:r>
-            <a:r>
-              <a:rPr lang="ko-KR" altLang="en-US" sz="900" kern="0" dirty="0">
-                <a:solidFill>
-                  <a:srgbClr val="E7E6E6">
-                    <a:lumMod val="75000"/>
-                  </a:srgbClr>
-                </a:solidFill>
-              </a:rPr>
-              <a:t>연동 프로그램</a:t>
-            </a:r>
-            <a:endParaRPr lang="en-US" altLang="ko-KR" sz="1600" i="1" kern="0" dirty="0">
+              <a:t>데이터베이스 관리 프로그램</a:t>
+            </a:r>
+            <a:endParaRPr lang="en-US" altLang="ko-KR" sz="3200" i="1" kern="0" dirty="0">
               <a:solidFill>
                 <a:srgbClr val="E7E6E6">
                   <a:lumMod val="75000"/>
@@ -6935,26 +6835,16 @@
               <a:defRPr/>
             </a:pPr>
             <a:r>
-              <a:rPr lang="en-US" altLang="ko-KR" sz="900" kern="0" dirty="0">
+              <a:rPr lang="ko-KR" altLang="en-US" sz="1400" kern="0" dirty="0">
                 <a:solidFill>
                   <a:srgbClr val="E7E6E6">
                     <a:lumMod val="75000"/>
                   </a:srgbClr>
                 </a:solidFill>
               </a:rPr>
-              <a:t>JAVA – MySQL </a:t>
-            </a:r>
-            <a:r>
-              <a:rPr lang="ko-KR" altLang="en-US" sz="900" kern="0" dirty="0">
-                <a:solidFill>
-                  <a:srgbClr val="E7E6E6">
-                    <a:lumMod val="75000"/>
-                  </a:srgbClr>
-                </a:solidFill>
-              </a:rPr>
-              <a:t>연동 프로그램</a:t>
-            </a:r>
-            <a:endParaRPr lang="en-US" altLang="ko-KR" sz="1600" i="1" kern="0" dirty="0">
+              <a:t>데이터베이스 관리 프로그램</a:t>
+            </a:r>
+            <a:endParaRPr lang="en-US" altLang="ko-KR" sz="3200" i="1" kern="0" dirty="0">
               <a:solidFill>
                 <a:srgbClr val="E7E6E6">
                   <a:lumMod val="75000"/>
@@ -9534,18 +9424,7 @@
                   </a:prstClr>
                 </a:solidFill>
               </a:rPr>
-              <a:t>프로그램 </a:t>
-            </a:r>
-            <a:r>
-              <a:rPr lang="ko-KR" altLang="en-US" sz="1400" b="1" dirty="0" smtClean="0">
-                <a:solidFill>
-                  <a:prstClr val="black">
-                    <a:lumMod val="65000"/>
-                    <a:lumOff val="35000"/>
-                  </a:prstClr>
-                </a:solidFill>
-              </a:rPr>
-              <a:t>코드</a:t>
+              <a:t>프로그램 코드</a:t>
             </a:r>
             <a:endParaRPr lang="en-US" altLang="ko-KR" sz="1400" b="1" dirty="0">
               <a:solidFill>
@@ -13937,7 +13816,7 @@
               <a:defRPr/>
             </a:pPr>
             <a:r>
-              <a:rPr lang="en-US" altLang="ko-KR" sz="2400" b="1" i="1" kern="0" dirty="0">
+              <a:rPr lang="en-US" altLang="ko-KR" sz="2400" b="1" i="1" kern="0" dirty="0" smtClean="0">
                 <a:solidFill>
                   <a:prstClr val="white"/>
                 </a:solidFill>
@@ -13950,26 +13829,16 @@
               <a:defRPr/>
             </a:pPr>
             <a:r>
-              <a:rPr lang="en-US" altLang="ko-KR" sz="900" kern="0" dirty="0">
+              <a:rPr lang="ko-KR" altLang="en-US" sz="1400" kern="0" dirty="0">
                 <a:solidFill>
                   <a:srgbClr val="E7E6E6">
                     <a:lumMod val="75000"/>
                   </a:srgbClr>
                 </a:solidFill>
               </a:rPr>
-              <a:t>JAVA – MySQL </a:t>
-            </a:r>
-            <a:r>
-              <a:rPr lang="ko-KR" altLang="en-US" sz="900" kern="0" dirty="0">
-                <a:solidFill>
-                  <a:srgbClr val="E7E6E6">
-                    <a:lumMod val="75000"/>
-                  </a:srgbClr>
-                </a:solidFill>
-              </a:rPr>
-              <a:t>연동 프로그램</a:t>
-            </a:r>
-            <a:endParaRPr lang="en-US" altLang="ko-KR" sz="1600" i="1" kern="0" dirty="0">
+              <a:t>데이터베이스 관리 프로그램</a:t>
+            </a:r>
+            <a:endParaRPr lang="en-US" altLang="ko-KR" sz="3200" i="1" kern="0" dirty="0">
               <a:solidFill>
                 <a:srgbClr val="E7E6E6">
                   <a:lumMod val="75000"/>
@@ -14777,26 +14646,16 @@
               <a:defRPr/>
             </a:pPr>
             <a:r>
-              <a:rPr lang="en-US" altLang="ko-KR" sz="900" kern="0" dirty="0" smtClean="0">
+              <a:rPr lang="ko-KR" altLang="en-US" sz="1400" kern="0" dirty="0">
                 <a:solidFill>
                   <a:srgbClr val="E7E6E6">
                     <a:lumMod val="75000"/>
                   </a:srgbClr>
                 </a:solidFill>
               </a:rPr>
-              <a:t>JAVA – MySQL </a:t>
-            </a:r>
-            <a:r>
-              <a:rPr lang="ko-KR" altLang="en-US" sz="900" kern="0" dirty="0" smtClean="0">
-                <a:solidFill>
-                  <a:srgbClr val="E7E6E6">
-                    <a:lumMod val="75000"/>
-                  </a:srgbClr>
-                </a:solidFill>
-              </a:rPr>
-              <a:t>연동 프로그램</a:t>
-            </a:r>
-            <a:endParaRPr lang="en-US" altLang="ko-KR" sz="1600" i="1" kern="0" dirty="0">
+              <a:t>데이터베이스 관리 프로그램</a:t>
+            </a:r>
+            <a:endParaRPr lang="en-US" altLang="ko-KR" sz="3200" i="1" kern="0" dirty="0">
               <a:solidFill>
                 <a:srgbClr val="E7E6E6">
                   <a:lumMod val="75000"/>
@@ -14862,7 +14721,7 @@
       </p:sp>
       <p:pic>
         <p:nvPicPr>
-          <p:cNvPr id="2" name="그림 1"/>
+          <p:cNvPr id="3" name="그림 2"/>
           <p:cNvPicPr>
             <a:picLocks noChangeAspect="1"/>
           </p:cNvPicPr>
@@ -14882,8 +14741,8 @@
         </p:blipFill>
         <p:spPr>
           <a:xfrm>
-            <a:off x="1959032" y="1521228"/>
-            <a:ext cx="8273936" cy="4937761"/>
+            <a:off x="1992284" y="1421476"/>
+            <a:ext cx="8207432" cy="5037514"/>
           </a:xfrm>
           <a:prstGeom prst="rect">
             <a:avLst/>
@@ -15005,26 +14864,16 @@
               <a:defRPr/>
             </a:pPr>
             <a:r>
-              <a:rPr lang="en-US" altLang="ko-KR" sz="900" kern="0" dirty="0" smtClean="0">
+              <a:rPr lang="ko-KR" altLang="en-US" sz="1400" kern="0" dirty="0">
                 <a:solidFill>
                   <a:srgbClr val="E7E6E6">
                     <a:lumMod val="75000"/>
                   </a:srgbClr>
                 </a:solidFill>
               </a:rPr>
-              <a:t>JAVA – MySQL </a:t>
-            </a:r>
-            <a:r>
-              <a:rPr lang="ko-KR" altLang="en-US" sz="900" kern="0" dirty="0" smtClean="0">
-                <a:solidFill>
-                  <a:srgbClr val="E7E6E6">
-                    <a:lumMod val="75000"/>
-                  </a:srgbClr>
-                </a:solidFill>
-              </a:rPr>
-              <a:t>연동 프로그램</a:t>
-            </a:r>
-            <a:endParaRPr lang="en-US" altLang="ko-KR" sz="1600" i="1" kern="0" dirty="0">
+              <a:t>데이터베이스 관리 프로그램</a:t>
+            </a:r>
+            <a:endParaRPr lang="en-US" altLang="ko-KR" sz="3200" i="1" kern="0" dirty="0">
               <a:solidFill>
                 <a:srgbClr val="E7E6E6">
                   <a:lumMod val="75000"/>
@@ -15326,26 +15175,16 @@
               <a:defRPr/>
             </a:pPr>
             <a:r>
-              <a:rPr lang="en-US" altLang="ko-KR" sz="900" kern="0" dirty="0" smtClean="0">
+              <a:rPr lang="ko-KR" altLang="en-US" sz="1400" kern="0" dirty="0">
                 <a:solidFill>
                   <a:srgbClr val="E7E6E6">
                     <a:lumMod val="75000"/>
                   </a:srgbClr>
                 </a:solidFill>
               </a:rPr>
-              <a:t>JAVA – MySQL </a:t>
-            </a:r>
-            <a:r>
-              <a:rPr lang="ko-KR" altLang="en-US" sz="900" kern="0" dirty="0" smtClean="0">
-                <a:solidFill>
-                  <a:srgbClr val="E7E6E6">
-                    <a:lumMod val="75000"/>
-                  </a:srgbClr>
-                </a:solidFill>
-              </a:rPr>
-              <a:t>연동 프로그램</a:t>
-            </a:r>
-            <a:endParaRPr lang="en-US" altLang="ko-KR" sz="1600" i="1" kern="0" dirty="0">
+              <a:t>데이터베이스 관리 프로그램</a:t>
+            </a:r>
+            <a:endParaRPr lang="en-US" altLang="ko-KR" sz="3200" i="1" kern="0" dirty="0">
               <a:solidFill>
                 <a:srgbClr val="E7E6E6">
                   <a:lumMod val="75000"/>
@@ -15647,26 +15486,16 @@
               <a:defRPr/>
             </a:pPr>
             <a:r>
-              <a:rPr lang="en-US" altLang="ko-KR" sz="900" kern="0" dirty="0" smtClean="0">
+              <a:rPr lang="ko-KR" altLang="en-US" sz="1400" kern="0" dirty="0">
                 <a:solidFill>
                   <a:srgbClr val="E7E6E6">
                     <a:lumMod val="75000"/>
                   </a:srgbClr>
                 </a:solidFill>
               </a:rPr>
-              <a:t>JAVA – MySQL </a:t>
-            </a:r>
-            <a:r>
-              <a:rPr lang="ko-KR" altLang="en-US" sz="900" kern="0" dirty="0" smtClean="0">
-                <a:solidFill>
-                  <a:srgbClr val="E7E6E6">
-                    <a:lumMod val="75000"/>
-                  </a:srgbClr>
-                </a:solidFill>
-              </a:rPr>
-              <a:t>연동 프로그램</a:t>
-            </a:r>
-            <a:endParaRPr lang="en-US" altLang="ko-KR" sz="1600" i="1" kern="0" dirty="0">
+              <a:t>데이터베이스 관리 프로그램</a:t>
+            </a:r>
+            <a:endParaRPr lang="en-US" altLang="ko-KR" sz="3200" i="1" kern="0" dirty="0">
               <a:solidFill>
                 <a:srgbClr val="E7E6E6">
                   <a:lumMod val="75000"/>
@@ -15968,26 +15797,16 @@
               <a:defRPr/>
             </a:pPr>
             <a:r>
-              <a:rPr lang="en-US" altLang="ko-KR" sz="900" kern="0" dirty="0" smtClean="0">
+              <a:rPr lang="ko-KR" altLang="en-US" sz="1400" kern="0" dirty="0">
                 <a:solidFill>
                   <a:srgbClr val="E7E6E6">
                     <a:lumMod val="75000"/>
                   </a:srgbClr>
                 </a:solidFill>
               </a:rPr>
-              <a:t>JAVA – MySQL </a:t>
-            </a:r>
-            <a:r>
-              <a:rPr lang="ko-KR" altLang="en-US" sz="900" kern="0" dirty="0" smtClean="0">
-                <a:solidFill>
-                  <a:srgbClr val="E7E6E6">
-                    <a:lumMod val="75000"/>
-                  </a:srgbClr>
-                </a:solidFill>
-              </a:rPr>
-              <a:t>연동 프로그램</a:t>
-            </a:r>
-            <a:endParaRPr lang="en-US" altLang="ko-KR" sz="1600" i="1" kern="0" dirty="0">
+              <a:t>데이터베이스 관리 프로그램</a:t>
+            </a:r>
+            <a:endParaRPr lang="en-US" altLang="ko-KR" sz="3200" i="1" kern="0" dirty="0">
               <a:solidFill>
                 <a:srgbClr val="E7E6E6">
                   <a:lumMod val="75000"/>
@@ -16368,26 +16187,16 @@
               <a:defRPr/>
             </a:pPr>
             <a:r>
-              <a:rPr lang="en-US" altLang="ko-KR" sz="900" kern="0" dirty="0" smtClean="0">
+              <a:rPr lang="ko-KR" altLang="en-US" sz="1400" kern="0" dirty="0">
                 <a:solidFill>
                   <a:srgbClr val="E7E6E6">
                     <a:lumMod val="75000"/>
                   </a:srgbClr>
                 </a:solidFill>
               </a:rPr>
-              <a:t>JAVA – MySQL </a:t>
-            </a:r>
-            <a:r>
-              <a:rPr lang="ko-KR" altLang="en-US" sz="900" kern="0" dirty="0" smtClean="0">
-                <a:solidFill>
-                  <a:srgbClr val="E7E6E6">
-                    <a:lumMod val="75000"/>
-                  </a:srgbClr>
-                </a:solidFill>
-              </a:rPr>
-              <a:t>연동 프로그램</a:t>
-            </a:r>
-            <a:endParaRPr lang="en-US" altLang="ko-KR" sz="1600" i="1" kern="0" dirty="0">
+              <a:t>데이터베이스 관리 프로그램</a:t>
+            </a:r>
+            <a:endParaRPr lang="en-US" altLang="ko-KR" sz="3200" i="1" kern="0" dirty="0">
               <a:solidFill>
                 <a:srgbClr val="E7E6E6">
                   <a:lumMod val="75000"/>
